--- a/Machine_Learning/ML-Figures.pptx
+++ b/Machine_Learning/ML-Figures.pptx
@@ -261,7 +261,7 @@
           <a:p>
             <a:fld id="{4954FCC5-233D-B74F-9396-9027E751A24C}" type="datetimeFigureOut">
               <a:rPr lang="en-CN" smtClean="0"/>
-              <a:t>2020/11/27</a:t>
+              <a:t>2020/12/15</a:t>
             </a:fld>
             <a:endParaRPr lang="en-CN"/>
           </a:p>
@@ -461,7 +461,7 @@
           <a:p>
             <a:fld id="{4954FCC5-233D-B74F-9396-9027E751A24C}" type="datetimeFigureOut">
               <a:rPr lang="en-CN" smtClean="0"/>
-              <a:t>2020/11/27</a:t>
+              <a:t>2020/12/15</a:t>
             </a:fld>
             <a:endParaRPr lang="en-CN"/>
           </a:p>
@@ -671,7 +671,7 @@
           <a:p>
             <a:fld id="{4954FCC5-233D-B74F-9396-9027E751A24C}" type="datetimeFigureOut">
               <a:rPr lang="en-CN" smtClean="0"/>
-              <a:t>2020/11/27</a:t>
+              <a:t>2020/12/15</a:t>
             </a:fld>
             <a:endParaRPr lang="en-CN"/>
           </a:p>
@@ -871,7 +871,7 @@
           <a:p>
             <a:fld id="{4954FCC5-233D-B74F-9396-9027E751A24C}" type="datetimeFigureOut">
               <a:rPr lang="en-CN" smtClean="0"/>
-              <a:t>2020/11/27</a:t>
+              <a:t>2020/12/15</a:t>
             </a:fld>
             <a:endParaRPr lang="en-CN"/>
           </a:p>
@@ -1147,7 +1147,7 @@
           <a:p>
             <a:fld id="{4954FCC5-233D-B74F-9396-9027E751A24C}" type="datetimeFigureOut">
               <a:rPr lang="en-CN" smtClean="0"/>
-              <a:t>2020/11/27</a:t>
+              <a:t>2020/12/15</a:t>
             </a:fld>
             <a:endParaRPr lang="en-CN"/>
           </a:p>
@@ -1415,7 +1415,7 @@
           <a:p>
             <a:fld id="{4954FCC5-233D-B74F-9396-9027E751A24C}" type="datetimeFigureOut">
               <a:rPr lang="en-CN" smtClean="0"/>
-              <a:t>2020/11/27</a:t>
+              <a:t>2020/12/15</a:t>
             </a:fld>
             <a:endParaRPr lang="en-CN"/>
           </a:p>
@@ -1830,7 +1830,7 @@
           <a:p>
             <a:fld id="{4954FCC5-233D-B74F-9396-9027E751A24C}" type="datetimeFigureOut">
               <a:rPr lang="en-CN" smtClean="0"/>
-              <a:t>2020/11/27</a:t>
+              <a:t>2020/12/15</a:t>
             </a:fld>
             <a:endParaRPr lang="en-CN"/>
           </a:p>
@@ -1972,7 +1972,7 @@
           <a:p>
             <a:fld id="{4954FCC5-233D-B74F-9396-9027E751A24C}" type="datetimeFigureOut">
               <a:rPr lang="en-CN" smtClean="0"/>
-              <a:t>2020/11/27</a:t>
+              <a:t>2020/12/15</a:t>
             </a:fld>
             <a:endParaRPr lang="en-CN"/>
           </a:p>
@@ -2085,7 +2085,7 @@
           <a:p>
             <a:fld id="{4954FCC5-233D-B74F-9396-9027E751A24C}" type="datetimeFigureOut">
               <a:rPr lang="en-CN" smtClean="0"/>
-              <a:t>2020/11/27</a:t>
+              <a:t>2020/12/15</a:t>
             </a:fld>
             <a:endParaRPr lang="en-CN"/>
           </a:p>
@@ -2398,7 +2398,7 @@
           <a:p>
             <a:fld id="{4954FCC5-233D-B74F-9396-9027E751A24C}" type="datetimeFigureOut">
               <a:rPr lang="en-CN" smtClean="0"/>
-              <a:t>2020/11/27</a:t>
+              <a:t>2020/12/15</a:t>
             </a:fld>
             <a:endParaRPr lang="en-CN"/>
           </a:p>
@@ -2687,7 +2687,7 @@
           <a:p>
             <a:fld id="{4954FCC5-233D-B74F-9396-9027E751A24C}" type="datetimeFigureOut">
               <a:rPr lang="en-CN" smtClean="0"/>
-              <a:t>2020/11/27</a:t>
+              <a:t>2020/12/15</a:t>
             </a:fld>
             <a:endParaRPr lang="en-CN"/>
           </a:p>
@@ -2930,7 +2930,7 @@
           <a:p>
             <a:fld id="{4954FCC5-233D-B74F-9396-9027E751A24C}" type="datetimeFigureOut">
               <a:rPr lang="en-CN" smtClean="0"/>
-              <a:t>2020/11/27</a:t>
+              <a:t>2020/12/15</a:t>
             </a:fld>
             <a:endParaRPr lang="en-CN"/>
           </a:p>
@@ -3362,9 +3362,9 @@
         <p:grpSpPr>
           <a:xfrm>
             <a:off x="3041537" y="1129410"/>
-            <a:ext cx="6108925" cy="4599179"/>
+            <a:ext cx="6108925" cy="4575003"/>
             <a:chOff x="1399734" y="735491"/>
-            <a:chExt cx="6108925" cy="4599179"/>
+            <a:chExt cx="6108925" cy="4575003"/>
           </a:xfrm>
         </p:grpSpPr>
         <p:sp>
@@ -3671,8 +3671,8 @@
             </p:sp>
           </mc:Fallback>
         </mc:AlternateContent>
-        <mc:AlternateContent xmlns:mc="http://schemas.openxmlformats.org/markup-compatibility/2006" xmlns:a14="http://schemas.microsoft.com/office/drawing/2010/main">
-          <mc:Choice Requires="a14">
+        <mc:AlternateContent xmlns:mc="http://schemas.openxmlformats.org/markup-compatibility/2006">
+          <mc:Choice xmlns:a14="http://schemas.microsoft.com/office/drawing/2010/main" Requires="a14">
             <p:sp>
               <p:nvSpPr>
                 <p:cNvPr id="8" name="Oval 7">
@@ -3741,7 +3741,7 @@
                               <a:rPr lang="en-US" b="0" i="1" smtClean="0">
                                 <a:latin typeface="Cambria Math" panose="02040503050406030204" pitchFamily="18" charset="0"/>
                               </a:rPr>
-                              <m:t>𝑛</m:t>
+                              <m:t>𝑁</m:t>
                             </m:r>
                           </m:sub>
                         </m:sSub>
@@ -3753,7 +3753,7 @@
               </p:txBody>
             </p:sp>
           </mc:Choice>
-          <mc:Fallback xmlns="">
+          <mc:Fallback>
             <p:sp>
               <p:nvSpPr>
                 <p:cNvPr id="8" name="Oval 7">
@@ -3886,8 +3886,8 @@
             </a:p>
           </p:txBody>
         </p:sp>
-        <mc:AlternateContent xmlns:mc="http://schemas.openxmlformats.org/markup-compatibility/2006">
-          <mc:Choice xmlns:a14="http://schemas.microsoft.com/office/drawing/2010/main" Requires="a14">
+        <mc:AlternateContent xmlns:mc="http://schemas.openxmlformats.org/markup-compatibility/2006" xmlns:a14="http://schemas.microsoft.com/office/drawing/2010/main">
+          <mc:Choice Requires="a14">
             <p:sp>
               <p:nvSpPr>
                 <p:cNvPr id="12" name="Oval 11">
@@ -3980,7 +3980,7 @@
               </p:txBody>
             </p:sp>
           </mc:Choice>
-          <mc:Fallback>
+          <mc:Fallback xmlns="">
             <p:sp>
               <p:nvSpPr>
                 <p:cNvPr id="12" name="Oval 11">
@@ -4030,8 +4030,8 @@
             </p:sp>
           </mc:Fallback>
         </mc:AlternateContent>
-        <mc:AlternateContent xmlns:mc="http://schemas.openxmlformats.org/markup-compatibility/2006">
-          <mc:Choice xmlns:a14="http://schemas.microsoft.com/office/drawing/2010/main" Requires="a14">
+        <mc:AlternateContent xmlns:mc="http://schemas.openxmlformats.org/markup-compatibility/2006" xmlns:a14="http://schemas.microsoft.com/office/drawing/2010/main">
+          <mc:Choice Requires="a14">
             <p:sp>
               <p:nvSpPr>
                 <p:cNvPr id="13" name="Oval 12">
@@ -4124,7 +4124,7 @@
               </p:txBody>
             </p:sp>
           </mc:Choice>
-          <mc:Fallback>
+          <mc:Fallback xmlns="">
             <p:sp>
               <p:nvSpPr>
                 <p:cNvPr id="13" name="Oval 12">
@@ -4257,7 +4257,7 @@
                                   <a:rPr lang="en-US" b="0" i="1" smtClean="0">
                                     <a:latin typeface="Cambria Math" panose="02040503050406030204" pitchFamily="18" charset="0"/>
                                   </a:rPr>
-                                  <m:t>𝑛</m:t>
+                                  <m:t>𝑁</m:t>
                                 </m:r>
                               </m:e>
                               <m:sub>
@@ -4513,8 +4513,8 @@
             </a:p>
           </p:txBody>
         </p:sp>
-        <mc:AlternateContent xmlns:mc="http://schemas.openxmlformats.org/markup-compatibility/2006">
-          <mc:Choice xmlns:a14="http://schemas.microsoft.com/office/drawing/2010/main" Requires="a14">
+        <mc:AlternateContent xmlns:mc="http://schemas.openxmlformats.org/markup-compatibility/2006" xmlns:a14="http://schemas.microsoft.com/office/drawing/2010/main">
+          <mc:Choice Requires="a14">
             <p:sp>
               <p:nvSpPr>
                 <p:cNvPr id="19" name="Oval 18">
@@ -4607,7 +4607,7 @@
               </p:txBody>
             </p:sp>
           </mc:Choice>
-          <mc:Fallback>
+          <mc:Fallback xmlns="">
             <p:sp>
               <p:nvSpPr>
                 <p:cNvPr id="19" name="Oval 18">
@@ -4657,8 +4657,8 @@
             </p:sp>
           </mc:Fallback>
         </mc:AlternateContent>
-        <mc:AlternateContent xmlns:mc="http://schemas.openxmlformats.org/markup-compatibility/2006">
-          <mc:Choice xmlns:a14="http://schemas.microsoft.com/office/drawing/2010/main" Requires="a14">
+        <mc:AlternateContent xmlns:mc="http://schemas.openxmlformats.org/markup-compatibility/2006" xmlns:a14="http://schemas.microsoft.com/office/drawing/2010/main">
+          <mc:Choice Requires="a14">
             <p:sp>
               <p:nvSpPr>
                 <p:cNvPr id="20" name="Oval 19">
@@ -4751,7 +4751,7 @@
               </p:txBody>
             </p:sp>
           </mc:Choice>
-          <mc:Fallback>
+          <mc:Fallback xmlns="">
             <p:sp>
               <p:nvSpPr>
                 <p:cNvPr id="20" name="Oval 19">
@@ -4884,7 +4884,7 @@
                                   <a:rPr lang="en-US" b="0" i="1" smtClean="0">
                                     <a:latin typeface="Cambria Math" panose="02040503050406030204" pitchFamily="18" charset="0"/>
                                   </a:rPr>
-                                  <m:t>𝑛</m:t>
+                                  <m:t>𝑁</m:t>
                                 </m:r>
                               </m:e>
                               <m:sub>
@@ -7153,8 +7153,8 @@
               </p:nvSpPr>
               <p:spPr>
                 <a:xfrm>
-                  <a:off x="2674013" y="4946743"/>
-                  <a:ext cx="630685" cy="387927"/>
+                  <a:off x="2717092" y="4937364"/>
+                  <a:ext cx="485838" cy="369332"/>
                 </a:xfrm>
                 <a:prstGeom prst="rect">
                   <a:avLst/>
@@ -7167,7 +7167,7 @@
                 </a:bodyPr>
                 <a:lstStyle/>
                 <a:p>
-                  <a:pPr/>
+                  <a:pPr algn="ctr"/>
                   <a14:m>
                     <m:oMathPara xmlns:m="http://schemas.openxmlformats.org/officeDocument/2006/math">
                       <m:oMathParaPr>
@@ -7194,23 +7194,12 @@
                             </m:r>
                           </m:e>
                           <m:sup>
-                            <m:d>
-                              <m:dPr>
-                                <m:ctrlPr>
-                                  <a:rPr lang="en-US" b="0" i="1" smtClean="0">
-                                    <a:latin typeface="Cambria Math" panose="02040503050406030204" pitchFamily="18" charset="0"/>
-                                  </a:rPr>
-                                </m:ctrlPr>
-                              </m:dPr>
-                              <m:e>
-                                <m:r>
-                                  <a:rPr lang="en-US" b="0" i="1" smtClean="0">
-                                    <a:latin typeface="Cambria Math" panose="02040503050406030204" pitchFamily="18" charset="0"/>
-                                  </a:rPr>
-                                  <m:t>1</m:t>
-                                </m:r>
-                              </m:e>
-                            </m:d>
+                            <m:r>
+                              <a:rPr lang="en-US" b="0" i="1" smtClean="0">
+                                <a:latin typeface="Cambria Math" panose="02040503050406030204" pitchFamily="18" charset="0"/>
+                              </a:rPr>
+                              <m:t>1</m:t>
+                            </m:r>
                           </m:sup>
                         </m:sSup>
                       </m:oMath>
@@ -7238,8 +7227,8 @@
               </p:nvSpPr>
               <p:spPr>
                 <a:xfrm>
-                  <a:off x="2674013" y="4946743"/>
-                  <a:ext cx="630685" cy="387927"/>
+                  <a:off x="2717092" y="4937364"/>
+                  <a:ext cx="485838" cy="369332"/>
                 </a:xfrm>
                 <a:prstGeom prst="rect">
                   <a:avLst/>
@@ -7282,8 +7271,8 @@
               </p:nvSpPr>
               <p:spPr>
                 <a:xfrm>
-                  <a:off x="4156294" y="4941162"/>
-                  <a:ext cx="630685" cy="387927"/>
+                  <a:off x="4226249" y="4941162"/>
+                  <a:ext cx="490775" cy="369332"/>
                 </a:xfrm>
                 <a:prstGeom prst="rect">
                   <a:avLst/>
@@ -7296,7 +7285,7 @@
                 </a:bodyPr>
                 <a:lstStyle/>
                 <a:p>
-                  <a:pPr/>
+                  <a:pPr algn="ctr"/>
                   <a14:m>
                     <m:oMathPara xmlns:m="http://schemas.openxmlformats.org/officeDocument/2006/math">
                       <m:oMathParaPr>
@@ -7323,23 +7312,12 @@
                             </m:r>
                           </m:e>
                           <m:sup>
-                            <m:d>
-                              <m:dPr>
-                                <m:ctrlPr>
-                                  <a:rPr lang="en-US" b="0" i="1" smtClean="0">
-                                    <a:latin typeface="Cambria Math" panose="02040503050406030204" pitchFamily="18" charset="0"/>
-                                  </a:rPr>
-                                </m:ctrlPr>
-                              </m:dPr>
-                              <m:e>
-                                <m:r>
-                                  <a:rPr lang="en-US" b="0" i="1" smtClean="0">
-                                    <a:latin typeface="Cambria Math" panose="02040503050406030204" pitchFamily="18" charset="0"/>
-                                  </a:rPr>
-                                  <m:t>2</m:t>
-                                </m:r>
-                              </m:e>
-                            </m:d>
+                            <m:r>
+                              <a:rPr lang="en-US" b="0" i="1" smtClean="0">
+                                <a:latin typeface="Cambria Math" panose="02040503050406030204" pitchFamily="18" charset="0"/>
+                              </a:rPr>
+                              <m:t>2</m:t>
+                            </m:r>
                           </m:sup>
                         </m:sSup>
                       </m:oMath>
@@ -7367,8 +7345,8 @@
               </p:nvSpPr>
               <p:spPr>
                 <a:xfrm>
-                  <a:off x="4156294" y="4941162"/>
-                  <a:ext cx="630685" cy="387927"/>
+                  <a:off x="4226249" y="4941162"/>
+                  <a:ext cx="490775" cy="369332"/>
                 </a:xfrm>
                 <a:prstGeom prst="rect">
                   <a:avLst/>
@@ -7411,8 +7389,8 @@
               </p:nvSpPr>
               <p:spPr>
                 <a:xfrm>
-                  <a:off x="5622048" y="4941161"/>
-                  <a:ext cx="630685" cy="387927"/>
+                  <a:off x="5692003" y="4941161"/>
+                  <a:ext cx="490775" cy="369332"/>
                 </a:xfrm>
                 <a:prstGeom prst="rect">
                   <a:avLst/>
@@ -7425,7 +7403,7 @@
                 </a:bodyPr>
                 <a:lstStyle/>
                 <a:p>
-                  <a:pPr/>
+                  <a:pPr algn="ctr"/>
                   <a14:m>
                     <m:oMathPara xmlns:m="http://schemas.openxmlformats.org/officeDocument/2006/math">
                       <m:oMathParaPr>
@@ -7452,23 +7430,12 @@
                             </m:r>
                           </m:e>
                           <m:sup>
-                            <m:d>
-                              <m:dPr>
-                                <m:ctrlPr>
-                                  <a:rPr lang="en-US" b="0" i="1" smtClean="0">
-                                    <a:latin typeface="Cambria Math" panose="02040503050406030204" pitchFamily="18" charset="0"/>
-                                  </a:rPr>
-                                </m:ctrlPr>
-                              </m:dPr>
-                              <m:e>
-                                <m:r>
-                                  <a:rPr lang="en-US" b="0" i="1" smtClean="0">
-                                    <a:latin typeface="Cambria Math" panose="02040503050406030204" pitchFamily="18" charset="0"/>
-                                  </a:rPr>
-                                  <m:t>3</m:t>
-                                </m:r>
-                              </m:e>
-                            </m:d>
+                            <m:r>
+                              <a:rPr lang="en-US" b="0" i="1" smtClean="0">
+                                <a:latin typeface="Cambria Math" panose="02040503050406030204" pitchFamily="18" charset="0"/>
+                              </a:rPr>
+                              <m:t>3</m:t>
+                            </m:r>
                           </m:sup>
                         </m:sSup>
                       </m:oMath>
@@ -7496,8 +7463,8 @@
               </p:nvSpPr>
               <p:spPr>
                 <a:xfrm>
-                  <a:off x="5622048" y="4941161"/>
-                  <a:ext cx="630685" cy="387927"/>
+                  <a:off x="5692003" y="4941161"/>
+                  <a:ext cx="490775" cy="369332"/>
                 </a:xfrm>
                 <a:prstGeom prst="rect">
                   <a:avLst/>
